--- a/slides/graphql-apollo-client.pptx
+++ b/slides/graphql-apollo-client.pptx
@@ -303,7 +303,7 @@
           <a:p>
             <a:fld id="{963854BB-5908-0843-BA41-B7E7E599A04D}" type="datetimeFigureOut">
               <a:rPr lang="de-DE" smtClean="0"/>
-              <a:t>24.05.21</a:t>
+              <a:t>25.05.21</a:t>
             </a:fld>
             <a:endParaRPr lang="de-DE"/>
           </a:p>
@@ -1147,7 +1147,7 @@
           <a:p>
             <a:fld id="{C764DE79-268F-4C1A-8933-263129D2AF90}" type="datetimeFigureOut">
               <a:rPr lang="en-US" dirty="0"/>
-              <a:t>5/24/21</a:t>
+              <a:t>5/25/21</a:t>
             </a:fld>
             <a:endParaRPr lang="en-US" dirty="0"/>
           </a:p>
@@ -19579,7 +19579,7 @@
         <p:spPr>
           <a:xfrm>
             <a:off x="203200" y="1026060"/>
-            <a:ext cx="9499600" cy="2848472"/>
+            <a:ext cx="9499600" cy="3180871"/>
           </a:xfrm>
           <a:prstGeom prst="rect">
             <a:avLst/>
@@ -19700,6 +19700,26 @@
                 <a:cs typeface="Source Sans Pro" charset="0"/>
               </a:rPr>
               <a:t> Support für Client und Server</a:t>
+            </a:r>
+          </a:p>
+          <a:p>
+            <a:pPr marL="285750" indent="-285750">
+              <a:lnSpc>
+                <a:spcPct val="120000"/>
+              </a:lnSpc>
+              <a:buFont typeface="Arial" panose="020B0604020202020204" pitchFamily="34" charset="0"/>
+              <a:buChar char="•"/>
+            </a:pPr>
+            <a:r>
+              <a:rPr lang="de-DE" dirty="0">
+                <a:solidFill>
+                  <a:srgbClr val="025249"/>
+                </a:solidFill>
+                <a:latin typeface="Source Sans Pro" charset="0"/>
+                <a:ea typeface="Source Sans Pro" charset="0"/>
+                <a:cs typeface="Source Sans Pro" charset="0"/>
+              </a:rPr>
+              <a:t>React Server Components</a:t>
             </a:r>
           </a:p>
           <a:p>
